--- a/Sesión 5 de Monitoria - Variables Instrumentales/1_documentos_pdfs/Variable Instrumental.pptx
+++ b/Sesión 5 de Monitoria - Variables Instrumentales/1_documentos_pdfs/Variable Instrumental.pptx
@@ -113,6 +113,11 @@
       </a:defRPr>
     </a:lvl9pPr>
   </p:defaultTextStyle>
+  <p:extLst>
+    <p:ext uri="{EFAFB233-063F-42B5-8137-9DF3F51BA10A}">
+      <p15:sldGuideLst xmlns:p15="http://schemas.microsoft.com/office/powerpoint/2012/main"/>
+    </p:ext>
+  </p:extLst>
 </p:presentation>
 </file>
 
@@ -342,7 +347,7 @@
           <a:p>
             <a:fld id="{1966A232-0920-457F-B871-F08C8B2B5749}" type="datetimeFigureOut">
               <a:rPr lang="es-CO" smtClean="0"/>
-              <a:t>2/10/2020</a:t>
+              <a:t>12/11/2020</a:t>
             </a:fld>
             <a:endParaRPr lang="es-CO"/>
           </a:p>
@@ -550,7 +555,7 @@
           <a:p>
             <a:fld id="{1966A232-0920-457F-B871-F08C8B2B5749}" type="datetimeFigureOut">
               <a:rPr lang="es-CO" smtClean="0"/>
-              <a:t>2/10/2020</a:t>
+              <a:t>12/11/2020</a:t>
             </a:fld>
             <a:endParaRPr lang="es-CO"/>
           </a:p>
@@ -806,7 +811,7 @@
           <a:p>
             <a:fld id="{1966A232-0920-457F-B871-F08C8B2B5749}" type="datetimeFigureOut">
               <a:rPr lang="es-CO" smtClean="0"/>
-              <a:t>2/10/2020</a:t>
+              <a:t>12/11/2020</a:t>
             </a:fld>
             <a:endParaRPr lang="es-CO"/>
           </a:p>
@@ -980,7 +985,7 @@
           <a:p>
             <a:fld id="{1966A232-0920-457F-B871-F08C8B2B5749}" type="datetimeFigureOut">
               <a:rPr lang="es-CO" smtClean="0"/>
-              <a:t>2/10/2020</a:t>
+              <a:t>12/11/2020</a:t>
             </a:fld>
             <a:endParaRPr lang="es-CO"/>
           </a:p>
@@ -1323,7 +1328,7 @@
           <a:p>
             <a:fld id="{1966A232-0920-457F-B871-F08C8B2B5749}" type="datetimeFigureOut">
               <a:rPr lang="es-CO" smtClean="0"/>
-              <a:t>2/10/2020</a:t>
+              <a:t>12/11/2020</a:t>
             </a:fld>
             <a:endParaRPr lang="es-CO"/>
           </a:p>
@@ -1598,7 +1603,7 @@
           <a:p>
             <a:fld id="{1966A232-0920-457F-B871-F08C8B2B5749}" type="datetimeFigureOut">
               <a:rPr lang="es-CO" smtClean="0"/>
-              <a:t>2/10/2020</a:t>
+              <a:t>12/11/2020</a:t>
             </a:fld>
             <a:endParaRPr lang="es-CO"/>
           </a:p>
@@ -1977,7 +1982,7 @@
           <a:p>
             <a:fld id="{1966A232-0920-457F-B871-F08C8B2B5749}" type="datetimeFigureOut">
               <a:rPr lang="es-CO" smtClean="0"/>
-              <a:t>2/10/2020</a:t>
+              <a:t>12/11/2020</a:t>
             </a:fld>
             <a:endParaRPr lang="es-CO"/>
           </a:p>
@@ -2095,7 +2100,7 @@
           <a:p>
             <a:fld id="{1966A232-0920-457F-B871-F08C8B2B5749}" type="datetimeFigureOut">
               <a:rPr lang="es-CO" smtClean="0"/>
-              <a:t>2/10/2020</a:t>
+              <a:t>12/11/2020</a:t>
             </a:fld>
             <a:endParaRPr lang="es-CO"/>
           </a:p>
@@ -2266,7 +2271,7 @@
           <a:p>
             <a:fld id="{1966A232-0920-457F-B871-F08C8B2B5749}" type="datetimeFigureOut">
               <a:rPr lang="es-CO" smtClean="0"/>
-              <a:t>2/10/2020</a:t>
+              <a:t>12/11/2020</a:t>
             </a:fld>
             <a:endParaRPr lang="es-CO"/>
           </a:p>
@@ -2620,7 +2625,7 @@
           <a:p>
             <a:fld id="{1966A232-0920-457F-B871-F08C8B2B5749}" type="datetimeFigureOut">
               <a:rPr lang="es-CO" smtClean="0"/>
-              <a:t>2/10/2020</a:t>
+              <a:t>12/11/2020</a:t>
             </a:fld>
             <a:endParaRPr lang="es-CO"/>
           </a:p>
@@ -3002,7 +3007,7 @@
           <a:p>
             <a:fld id="{1966A232-0920-457F-B871-F08C8B2B5749}" type="datetimeFigureOut">
               <a:rPr lang="es-CO" smtClean="0"/>
-              <a:t>2/10/2020</a:t>
+              <a:t>12/11/2020</a:t>
             </a:fld>
             <a:endParaRPr lang="es-CO"/>
           </a:p>
@@ -3289,7 +3294,7 @@
           <a:p>
             <a:fld id="{1966A232-0920-457F-B871-F08C8B2B5749}" type="datetimeFigureOut">
               <a:rPr lang="es-CO" smtClean="0"/>
-              <a:t>2/10/2020</a:t>
+              <a:t>12/11/2020</a:t>
             </a:fld>
             <a:endParaRPr lang="es-CO"/>
           </a:p>
@@ -3947,8 +3952,8 @@
           </a:p>
         </p:txBody>
       </p:sp>
-      <mc:AlternateContent xmlns:mc="http://schemas.openxmlformats.org/markup-compatibility/2006">
-        <mc:Choice xmlns:a14="http://schemas.microsoft.com/office/drawing/2010/main" Requires="a14">
+      <mc:AlternateContent xmlns:mc="http://schemas.openxmlformats.org/markup-compatibility/2006" xmlns:a14="http://schemas.microsoft.com/office/drawing/2010/main">
+        <mc:Choice Requires="a14">
           <p:sp>
             <p:nvSpPr>
               <p:cNvPr id="3" name="Marcador de contenido 2">
@@ -5235,7 +5240,7 @@
             </p:txBody>
           </p:sp>
         </mc:Choice>
-        <mc:Fallback>
+        <mc:Fallback xmlns="">
           <p:sp>
             <p:nvSpPr>
               <p:cNvPr id="3" name="Marcador de contenido 2">
@@ -5339,8 +5344,8 @@
           </a:p>
         </p:txBody>
       </p:sp>
-      <mc:AlternateContent xmlns:mc="http://schemas.openxmlformats.org/markup-compatibility/2006">
-        <mc:Choice xmlns:a14="http://schemas.microsoft.com/office/drawing/2010/main" Requires="a14">
+      <mc:AlternateContent xmlns:mc="http://schemas.openxmlformats.org/markup-compatibility/2006" xmlns:a14="http://schemas.microsoft.com/office/drawing/2010/main">
+        <mc:Choice Requires="a14">
           <p:sp>
             <p:nvSpPr>
               <p:cNvPr id="3" name="Marcador de contenido 2">
@@ -5760,7 +5765,9 @@
                 <a14:m>
                   <m:oMath xmlns:m="http://schemas.openxmlformats.org/officeDocument/2006/math">
                     <m:r>
-                      <a:rPr lang="es-CO" i="1"/>
+                      <a:rPr lang="es-CO" i="1">
+                        <a:latin typeface="Cambria Math" panose="02040503050406030204" pitchFamily="18" charset="0"/>
+                      </a:rPr>
                       <m:t>𝐸</m:t>
                     </m:r>
                     <m:d>
@@ -5768,48 +5775,64 @@
                         <m:begChr m:val="["/>
                         <m:endChr m:val="]"/>
                         <m:ctrlPr>
-                          <a:rPr lang="es-CO" i="1"/>
+                          <a:rPr lang="es-CO" i="1">
+                            <a:latin typeface="Cambria Math" panose="02040503050406030204" pitchFamily="18" charset="0"/>
+                          </a:rPr>
                         </m:ctrlPr>
                       </m:dPr>
                       <m:e>
                         <m:sSub>
                           <m:sSubPr>
                             <m:ctrlPr>
-                              <a:rPr lang="es-CO" i="1"/>
+                              <a:rPr lang="es-CO" i="1">
+                                <a:latin typeface="Cambria Math" panose="02040503050406030204" pitchFamily="18" charset="0"/>
+                              </a:rPr>
                             </m:ctrlPr>
                           </m:sSubPr>
                           <m:e>
                             <m:r>
-                              <a:rPr lang="es-CO" i="1"/>
+                              <a:rPr lang="es-CO" i="1">
+                                <a:latin typeface="Cambria Math" panose="02040503050406030204" pitchFamily="18" charset="0"/>
+                              </a:rPr>
                               <m:t>𝑒</m:t>
                             </m:r>
                           </m:e>
                           <m:sub>
                             <m:r>
-                              <a:rPr lang="es-CO" i="1"/>
+                              <a:rPr lang="es-CO" i="1">
+                                <a:latin typeface="Cambria Math" panose="02040503050406030204" pitchFamily="18" charset="0"/>
+                              </a:rPr>
                               <m:t>𝑖</m:t>
                             </m:r>
                           </m:sub>
                         </m:sSub>
                         <m:r>
-                          <a:rPr lang="es-CO" i="1"/>
+                          <a:rPr lang="es-CO" i="1">
+                            <a:latin typeface="Cambria Math" panose="02040503050406030204" pitchFamily="18" charset="0"/>
+                          </a:rPr>
                           <m:t>|</m:t>
                         </m:r>
                         <m:sSub>
                           <m:sSubPr>
                             <m:ctrlPr>
-                              <a:rPr lang="es-CO" i="1"/>
+                              <a:rPr lang="es-CO" i="1">
+                                <a:latin typeface="Cambria Math" panose="02040503050406030204" pitchFamily="18" charset="0"/>
+                              </a:rPr>
                             </m:ctrlPr>
                           </m:sSubPr>
                           <m:e>
                             <m:r>
-                              <a:rPr lang="es-CO" i="1"/>
+                              <a:rPr lang="es-CO" i="1">
+                                <a:latin typeface="Cambria Math" panose="02040503050406030204" pitchFamily="18" charset="0"/>
+                              </a:rPr>
                               <m:t>𝑥</m:t>
                             </m:r>
                           </m:e>
                           <m:sub>
                             <m:r>
-                              <a:rPr lang="es-CO" i="1"/>
+                              <a:rPr lang="es-CO" i="1">
+                                <a:latin typeface="Cambria Math" panose="02040503050406030204" pitchFamily="18" charset="0"/>
+                              </a:rPr>
                               <m:t>𝑖</m:t>
                             </m:r>
                           </m:sub>
@@ -5817,11 +5840,15 @@
                       </m:e>
                     </m:d>
                     <m:r>
-                      <a:rPr lang="es-CO" i="1"/>
+                      <a:rPr lang="es-CO" i="1">
+                        <a:latin typeface="Cambria Math" panose="02040503050406030204" pitchFamily="18" charset="0"/>
+                      </a:rPr>
                       <m:t>=</m:t>
                     </m:r>
                     <m:r>
-                      <a:rPr lang="es-CO" i="1"/>
+                      <a:rPr lang="es-CO" i="1">
+                        <a:latin typeface="Cambria Math" panose="02040503050406030204" pitchFamily="18" charset="0"/>
+                      </a:rPr>
                       <m:t>𝐸</m:t>
                     </m:r>
                     <m:d>
@@ -5829,25 +5856,33 @@
                         <m:begChr m:val="["/>
                         <m:endChr m:val="]"/>
                         <m:ctrlPr>
-                          <a:rPr lang="es-CO" i="1"/>
+                          <a:rPr lang="es-CO" i="1">
+                            <a:latin typeface="Cambria Math" panose="02040503050406030204" pitchFamily="18" charset="0"/>
+                          </a:rPr>
                         </m:ctrlPr>
                       </m:dPr>
                       <m:e>
                         <m:sSub>
                           <m:sSubPr>
                             <m:ctrlPr>
-                              <a:rPr lang="es-CO" i="1"/>
+                              <a:rPr lang="es-CO" i="1">
+                                <a:latin typeface="Cambria Math" panose="02040503050406030204" pitchFamily="18" charset="0"/>
+                              </a:rPr>
                             </m:ctrlPr>
                           </m:sSubPr>
                           <m:e>
                             <m:r>
-                              <a:rPr lang="es-CO" i="1"/>
+                              <a:rPr lang="es-CO" i="1">
+                                <a:latin typeface="Cambria Math" panose="02040503050406030204" pitchFamily="18" charset="0"/>
+                              </a:rPr>
                               <m:t>𝑒</m:t>
                             </m:r>
                           </m:e>
                           <m:sub>
                             <m:r>
-                              <a:rPr lang="es-CO" i="1"/>
+                              <a:rPr lang="es-CO" i="1">
+                                <a:latin typeface="Cambria Math" panose="02040503050406030204" pitchFamily="18" charset="0"/>
+                              </a:rPr>
                               <m:t>𝑖</m:t>
                             </m:r>
                           </m:sub>
@@ -5855,7 +5890,9 @@
                       </m:e>
                     </m:d>
                     <m:r>
-                      <a:rPr lang="es-CO" i="1"/>
+                      <a:rPr lang="es-CO" i="1">
+                        <a:latin typeface="Cambria Math" panose="02040503050406030204" pitchFamily="18" charset="0"/>
+                      </a:rPr>
                       <m:t>=0</m:t>
                     </m:r>
                     <m:r>
@@ -5885,7 +5922,7 @@
             </p:txBody>
           </p:sp>
         </mc:Choice>
-        <mc:Fallback>
+        <mc:Fallback xmlns="">
           <p:sp>
             <p:nvSpPr>
               <p:cNvPr id="3" name="Marcador de contenido 2">
@@ -5990,8 +6027,8 @@
           </a:p>
         </p:txBody>
       </p:sp>
-      <mc:AlternateContent xmlns:mc="http://schemas.openxmlformats.org/markup-compatibility/2006">
-        <mc:Choice xmlns:a14="http://schemas.microsoft.com/office/drawing/2010/main" Requires="a14">
+      <mc:AlternateContent xmlns:mc="http://schemas.openxmlformats.org/markup-compatibility/2006" xmlns:a14="http://schemas.microsoft.com/office/drawing/2010/main">
+        <mc:Choice Requires="a14">
           <p:sp>
             <p:nvSpPr>
               <p:cNvPr id="3" name="Marcador de contenido 2">
@@ -6140,7 +6177,7 @@
             </p:txBody>
           </p:sp>
         </mc:Choice>
-        <mc:Fallback>
+        <mc:Fallback xmlns="">
           <p:sp>
             <p:nvSpPr>
               <p:cNvPr id="3" name="Marcador de contenido 2">
@@ -6540,7 +6577,7 @@
               <a:rPr lang="es-CO" dirty="0">
                 <a:latin typeface="Century Gothic" panose="020B0502020202020204" pitchFamily="34" charset="0"/>
               </a:rPr>
-              <a:t> Veamos con un DAG que pasa cuando no se satisface el supuesto de exogeneidad. </a:t>
+              <a:t> Veamos con un DAG qué pasa cuando no se satisface el supuesto de exogeneidad. </a:t>
             </a:r>
           </a:p>
           <a:p>
@@ -6907,8 +6944,8 @@
           </a:p>
         </p:txBody>
       </p:sp>
-      <mc:AlternateContent xmlns:mc="http://schemas.openxmlformats.org/markup-compatibility/2006">
-        <mc:Choice xmlns:a14="http://schemas.microsoft.com/office/drawing/2010/main" Requires="a14">
+      <mc:AlternateContent xmlns:mc="http://schemas.openxmlformats.org/markup-compatibility/2006" xmlns:a14="http://schemas.microsoft.com/office/drawing/2010/main">
+        <mc:Choice Requires="a14">
           <p:sp>
             <p:nvSpPr>
               <p:cNvPr id="3" name="Marcador de contenido 2">
@@ -7511,16 +7548,7 @@
                           <a:ea typeface="Calibri" panose="020F0502020204030204" pitchFamily="34" charset="0"/>
                           <a:cs typeface="Times New Roman" panose="02020603050405020304" pitchFamily="18" charset="0"/>
                         </a:rPr>
-                        <m:t>=</m:t>
-                      </m:r>
-                      <m:r>
-                        <a:rPr lang="es-CO" sz="2000" b="0" i="1" smtClean="0">
-                          <a:effectLst/>
-                          <a:latin typeface="Cambria Math" panose="02040503050406030204" pitchFamily="18" charset="0"/>
-                          <a:ea typeface="Calibri" panose="020F0502020204030204" pitchFamily="34" charset="0"/>
-                          <a:cs typeface="Times New Roman" panose="02020603050405020304" pitchFamily="18" charset="0"/>
-                        </a:rPr>
-                        <m:t>  0 </m:t>
+                        <m:t>=  0 </m:t>
                       </m:r>
                     </m:oMath>
                   </m:oMathPara>
@@ -7839,7 +7867,7 @@
             </p:txBody>
           </p:sp>
         </mc:Choice>
-        <mc:Fallback>
+        <mc:Fallback xmlns="">
           <p:sp>
             <p:nvSpPr>
               <p:cNvPr id="3" name="Marcador de contenido 2">
@@ -7948,8 +7976,8 @@
           </a:p>
         </p:txBody>
       </p:sp>
-      <mc:AlternateContent xmlns:mc="http://schemas.openxmlformats.org/markup-compatibility/2006">
-        <mc:Choice xmlns:a14="http://schemas.microsoft.com/office/drawing/2010/main" Requires="a14">
+      <mc:AlternateContent xmlns:mc="http://schemas.openxmlformats.org/markup-compatibility/2006" xmlns:a14="http://schemas.microsoft.com/office/drawing/2010/main">
+        <mc:Choice Requires="a14">
           <p:sp>
             <p:nvSpPr>
               <p:cNvPr id="3" name="Marcador de contenido 2">
@@ -8042,7 +8070,7 @@
             </p:txBody>
           </p:sp>
         </mc:Choice>
-        <mc:Fallback>
+        <mc:Fallback xmlns="">
           <p:sp>
             <p:nvSpPr>
               <p:cNvPr id="3" name="Marcador de contenido 2">
@@ -8483,7 +8511,7 @@
               <a:rPr lang="es-CO" dirty="0">
                 <a:latin typeface="Century Gothic" panose="020B0502020202020204" pitchFamily="34" charset="0"/>
               </a:rPr>
-              <a:t> El propósito de variable instrumental es aislar el efecto de X sobre Y que está “contaminado” en la forma reducida por la relación existente entre el término inobservable y la variable regresora (es decir, entre la educación, las habilidades innatas y el contexto socioeconómico). Así pues, un instrumento es una fuente de variabilidad exógena que permite aislar el efecto de X sobre Y respecto a los factores de confusión inobservables.</a:t>
+              <a:t> El propósito de variable instrumental es aislar el efecto de X sobre Y, el cual  está “contaminado” por la relación existente entre el término inobservable y la variable regresora (es decir, entre la educación, las habilidades innatas y el contexto socioeconómico). Así pues, un instrumento es una fuente de variabilidad exógena que permite aislar el efecto de X sobre Y respecto a los factores de confusión inobservables.</a:t>
             </a:r>
           </a:p>
           <a:p>
@@ -9016,7 +9044,7 @@
               <a:rPr lang="es-CO" dirty="0">
                 <a:latin typeface="Century Gothic" panose="020B0502020202020204" pitchFamily="34" charset="0"/>
               </a:rPr>
-              <a:t> La anterior hace referencia a los supuestos de relevancia y exogeneidad del instrumento. </a:t>
+              <a:t> La anterior hace referencia a los supuestos de relevancia y exclusión del instrumento. </a:t>
             </a:r>
           </a:p>
           <a:p>
@@ -9505,8 +9533,8 @@
           </a:p>
         </p:txBody>
       </p:sp>
-      <mc:AlternateContent xmlns:mc="http://schemas.openxmlformats.org/markup-compatibility/2006">
-        <mc:Choice xmlns:a14="http://schemas.microsoft.com/office/drawing/2010/main" Requires="a14">
+      <mc:AlternateContent xmlns:mc="http://schemas.openxmlformats.org/markup-compatibility/2006" xmlns:a14="http://schemas.microsoft.com/office/drawing/2010/main">
+        <mc:Choice Requires="a14">
           <p:sp>
             <p:nvSpPr>
               <p:cNvPr id="3" name="Marcador de contenido 2">
@@ -9633,7 +9661,7 @@
             </p:txBody>
           </p:sp>
         </mc:Choice>
-        <mc:Fallback>
+        <mc:Fallback xmlns="">
           <p:sp>
             <p:nvSpPr>
               <p:cNvPr id="3" name="Marcador de contenido 2">
@@ -9726,8 +9754,8 @@
           </a:p>
         </p:txBody>
       </p:sp>
-      <mc:AlternateContent xmlns:mc="http://schemas.openxmlformats.org/markup-compatibility/2006">
-        <mc:Choice xmlns:a14="http://schemas.microsoft.com/office/drawing/2010/main" Requires="a14">
+      <mc:AlternateContent xmlns:mc="http://schemas.openxmlformats.org/markup-compatibility/2006" xmlns:a14="http://schemas.microsoft.com/office/drawing/2010/main">
+        <mc:Choice Requires="a14">
           <p:sp>
             <p:nvSpPr>
               <p:cNvPr id="5" name="Elipse 4">
@@ -9817,7 +9845,7 @@
             </p:txBody>
           </p:sp>
         </mc:Choice>
-        <mc:Fallback>
+        <mc:Fallback xmlns="">
           <p:sp>
             <p:nvSpPr>
               <p:cNvPr id="5" name="Elipse 4">
@@ -9949,8 +9977,8 @@
           </a:fontRef>
         </p:style>
       </p:cxnSp>
-      <mc:AlternateContent xmlns:mc="http://schemas.openxmlformats.org/markup-compatibility/2006">
-        <mc:Choice xmlns:a14="http://schemas.microsoft.com/office/drawing/2010/main" Requires="a14">
+      <mc:AlternateContent xmlns:mc="http://schemas.openxmlformats.org/markup-compatibility/2006" xmlns:a14="http://schemas.microsoft.com/office/drawing/2010/main">
+        <mc:Choice Requires="a14">
           <p:sp>
             <p:nvSpPr>
               <p:cNvPr id="14" name="Elipse 13">
@@ -10040,7 +10068,7 @@
             </p:txBody>
           </p:sp>
         </mc:Choice>
-        <mc:Fallback>
+        <mc:Fallback xmlns="">
           <p:sp>
             <p:nvSpPr>
               <p:cNvPr id="14" name="Elipse 13">
